--- a/Homework/math/2022201353/midterm_slide_2022201353.pptx
+++ b/Homework/math/2022201353/midterm_slide_2022201353.pptx
@@ -3502,14 +3502,48 @@
                 <a:tableStyleId>{5C22544A-7EE6-4342-B048-85BDC9FD1C3A}</a:tableStyleId>
               </a:tblPr>
               <a:tblGrid>
-                <a:gridCol w="1798955"/>
-                <a:gridCol w="1799590"/>
-                <a:gridCol w="1798955"/>
-                <a:gridCol w="1799590"/>
-                <a:gridCol w="1798955"/>
-                <a:gridCol w="3195320"/>
+                <a:gridCol w="1180267"/>
+                <a:gridCol w="1475105"/>
+                <a:gridCol w="1228308"/>
+                <a:gridCol w="1447165"/>
+                <a:gridCol w="1417974"/>
+                <a:gridCol w="1677472"/>
+                <a:gridCol w="1991995"/>
+                <a:gridCol w="1773079"/>
               </a:tblGrid>
               <a:tr h="595630">
+                <a:tc>
+                  <a:txBody>
+                    <a:bodyPr/>
+                    <a:p>
+                      <a:pPr>
+                        <a:buNone/>
+                      </a:pPr>
+                      <a:r>
+                        <a:rPr lang="zh-CN" altLang="en-US"/>
+                        <a:t>变量</a:t>
+                      </a:r>
+                      <a:endParaRPr lang="zh-CN" altLang="en-US"/>
+                    </a:p>
+                  </a:txBody>
+                  <a:tcPr/>
+                </a:tc>
+                <a:tc>
+                  <a:txBody>
+                    <a:bodyPr/>
+                    <a:p>
+                      <a:pPr>
+                        <a:buNone/>
+                      </a:pPr>
+                      <a:r>
+                        <a:rPr lang="zh-CN" altLang="en-US"/>
+                        <a:t>含义</a:t>
+                      </a:r>
+                      <a:endParaRPr lang="zh-CN" altLang="en-US"/>
+                    </a:p>
+                  </a:txBody>
+                  <a:tcPr/>
+                </a:tc>
                 <a:tc>
                   <a:txBody>
                     <a:bodyPr/>
@@ -3669,7 +3703,7 @@
                         <a:rPr lang="zh-CN" altLang="en-US" sz="1800">
                           <a:sym typeface="+mn-ea"/>
                         </a:rPr>
-                        <a:t>别墅类型</a:t>
+                        <a:t>房屋类型</a:t>
                       </a:r>
                       <a:endParaRPr lang="zh-CN" altLang="en-US"/>
                     </a:p>
@@ -3716,6 +3750,42 @@
                   </a:txBody>
                   <a:tcPr/>
                 </a:tc>
+                <a:tc>
+                  <a:txBody>
+                    <a:bodyPr/>
+                    <a:p>
+                      <a:pPr>
+                        <a:buNone/>
+                      </a:pPr>
+                      <a:r>
+                        <a:rPr lang="en-US" altLang="zh-CN"/>
+                        <a:t>X_25</a:t>
+                      </a:r>
+                      <a:endParaRPr lang="en-US" altLang="zh-CN"/>
+                    </a:p>
+                  </a:txBody>
+                  <a:tcPr/>
+                </a:tc>
+                <a:tc>
+                  <a:txBody>
+                    <a:bodyPr/>
+                    <a:p>
+                      <a:pPr>
+                        <a:buNone/>
+                      </a:pPr>
+                      <a:r>
+                        <a:rPr lang="zh-CN" altLang="en-US"/>
+                        <a:t>建筑</a:t>
+                      </a:r>
+                      <a:r>
+                        <a:rPr lang="zh-CN" altLang="en-US"/>
+                        <a:t>结构</a:t>
+                      </a:r>
+                      <a:endParaRPr lang="zh-CN" altLang="en-US"/>
+                    </a:p>
+                  </a:txBody>
+                  <a:tcPr/>
+                </a:tc>
               </a:tr>
               <a:tr h="710565">
                 <a:tc>
@@ -3826,6 +3896,30 @@
                   </a:txBody>
                   <a:tcPr/>
                 </a:tc>
+                <a:tc>
+                  <a:txBody>
+                    <a:bodyPr/>
+                    <a:p>
+                      <a:pPr>
+                        <a:buNone/>
+                      </a:pPr>
+                      <a:endParaRPr lang="zh-CN" altLang="en-US"/>
+                    </a:p>
+                  </a:txBody>
+                  <a:tcPr/>
+                </a:tc>
+                <a:tc>
+                  <a:txBody>
+                    <a:bodyPr/>
+                    <a:p>
+                      <a:pPr>
+                        <a:buNone/>
+                      </a:pPr>
+                      <a:endParaRPr lang="zh-CN" altLang="en-US"/>
+                    </a:p>
+                  </a:txBody>
+                  <a:tcPr/>
+                </a:tc>
               </a:tr>
               <a:tr h="709930">
                 <a:tc>
@@ -3936,6 +4030,30 @@
                   </a:txBody>
                   <a:tcPr/>
                 </a:tc>
+                <a:tc>
+                  <a:txBody>
+                    <a:bodyPr/>
+                    <a:p>
+                      <a:pPr>
+                        <a:buNone/>
+                      </a:pPr>
+                      <a:endParaRPr lang="zh-CN" altLang="en-US"/>
+                    </a:p>
+                  </a:txBody>
+                  <a:tcPr/>
+                </a:tc>
+                <a:tc>
+                  <a:txBody>
+                    <a:bodyPr/>
+                    <a:p>
+                      <a:pPr>
+                        <a:buNone/>
+                      </a:pPr>
+                      <a:endParaRPr lang="zh-CN" altLang="en-US"/>
+                    </a:p>
+                  </a:txBody>
+                  <a:tcPr/>
+                </a:tc>
               </a:tr>
               <a:tr h="709930">
                 <a:tc>
@@ -4035,6 +4153,30 @@
                         </a:rPr>
                         <a:t>所处城市环线</a:t>
                       </a:r>
+                      <a:endParaRPr lang="zh-CN" altLang="en-US"/>
+                    </a:p>
+                  </a:txBody>
+                  <a:tcPr/>
+                </a:tc>
+                <a:tc>
+                  <a:txBody>
+                    <a:bodyPr/>
+                    <a:p>
+                      <a:pPr>
+                        <a:buNone/>
+                      </a:pPr>
+                      <a:endParaRPr lang="zh-CN" altLang="en-US"/>
+                    </a:p>
+                  </a:txBody>
+                  <a:tcPr/>
+                </a:tc>
+                <a:tc>
+                  <a:txBody>
+                    <a:bodyPr/>
+                    <a:p>
+                      <a:pPr>
+                        <a:buNone/>
+                      </a:pPr>
                       <a:endParaRPr lang="zh-CN" altLang="en-US"/>
                     </a:p>
                   </a:txBody>
@@ -4148,6 +4290,30 @@
                   </a:txBody>
                   <a:tcPr/>
                 </a:tc>
+                <a:tc>
+                  <a:txBody>
+                    <a:bodyPr/>
+                    <a:p>
+                      <a:pPr>
+                        <a:buNone/>
+                      </a:pPr>
+                      <a:endParaRPr lang="zh-CN" altLang="en-US"/>
+                    </a:p>
+                  </a:txBody>
+                  <a:tcPr/>
+                </a:tc>
+                <a:tc>
+                  <a:txBody>
+                    <a:bodyPr/>
+                    <a:p>
+                      <a:pPr>
+                        <a:buNone/>
+                      </a:pPr>
+                      <a:endParaRPr lang="zh-CN" altLang="en-US"/>
+                    </a:p>
+                  </a:txBody>
+                  <a:tcPr/>
+                </a:tc>
               </a:tr>
               <a:tr h="709930">
                 <a:tc>
@@ -4248,6 +4414,30 @@
                   </a:txBody>
                   <a:tcPr/>
                 </a:tc>
+                <a:tc>
+                  <a:txBody>
+                    <a:bodyPr/>
+                    <a:p>
+                      <a:pPr>
+                        <a:buNone/>
+                      </a:pPr>
+                      <a:endParaRPr lang="en-US" altLang="zh-CN"/>
+                    </a:p>
+                  </a:txBody>
+                  <a:tcPr/>
+                </a:tc>
+                <a:tc>
+                  <a:txBody>
+                    <a:bodyPr/>
+                    <a:p>
+                      <a:pPr>
+                        <a:buNone/>
+                      </a:pPr>
+                      <a:endParaRPr lang="en-US" altLang="zh-CN"/>
+                    </a:p>
+                  </a:txBody>
+                  <a:tcPr/>
+                </a:tc>
               </a:tr>
               <a:tr h="710565">
                 <a:tc>
@@ -4362,6 +4552,30 @@
                   </a:txBody>
                   <a:tcPr/>
                 </a:tc>
+                <a:tc>
+                  <a:txBody>
+                    <a:bodyPr/>
+                    <a:p>
+                      <a:pPr>
+                        <a:buNone/>
+                      </a:pPr>
+                      <a:endParaRPr lang="zh-CN" altLang="en-US"/>
+                    </a:p>
+                  </a:txBody>
+                  <a:tcPr/>
+                </a:tc>
+                <a:tc>
+                  <a:txBody>
+                    <a:bodyPr/>
+                    <a:p>
+                      <a:pPr>
+                        <a:buNone/>
+                      </a:pPr>
+                      <a:endParaRPr lang="zh-CN" altLang="en-US"/>
+                    </a:p>
+                  </a:txBody>
+                  <a:tcPr/>
+                </a:tc>
               </a:tr>
               <a:tr h="709930">
                 <a:tc>
@@ -4445,7 +4659,39 @@
                       <a:pPr>
                         <a:buNone/>
                       </a:pPr>
+                      <a:r>
+                        <a:rPr lang="en-US" altLang="zh-CN"/>
+                        <a:t>X_24</a:t>
+                      </a:r>
                       <a:endParaRPr lang="en-US" altLang="zh-CN"/>
+                    </a:p>
+                  </a:txBody>
+                  <a:tcPr/>
+                </a:tc>
+                <a:tc>
+                  <a:txBody>
+                    <a:bodyPr/>
+                    <a:p>
+                      <a:pPr>
+                        <a:buNone/>
+                      </a:pPr>
+                      <a:r>
+                        <a:rPr lang="zh-CN" altLang="en-US"/>
+                        <a:t>容积率</a:t>
+                      </a:r>
+                      <a:endParaRPr lang="zh-CN" altLang="en-US"/>
+                    </a:p>
+                  </a:txBody>
+                  <a:tcPr/>
+                </a:tc>
+                <a:tc>
+                  <a:txBody>
+                    <a:bodyPr/>
+                    <a:p>
+                      <a:pPr>
+                        <a:buNone/>
+                      </a:pPr>
+                      <a:endParaRPr lang="zh-CN" altLang="en-US"/>
                     </a:p>
                   </a:txBody>
                   <a:tcPr/>
@@ -4549,27 +4795,150 @@
           </a:p>
         </p:txBody>
       </p:sp>
+      <p:sp>
+        <p:nvSpPr>
+          <p:cNvPr id="13" name="文本框 12"/>
+          <p:cNvSpPr txBox="1"/>
+          <p:nvPr/>
+        </p:nvSpPr>
+        <p:spPr>
+          <a:xfrm>
+            <a:off x="7617460" y="3365500"/>
+            <a:ext cx="4051300" cy="1630045"/>
+          </a:xfrm>
+          <a:prstGeom prst="rect">
+            <a:avLst/>
+          </a:prstGeom>
+          <a:noFill/>
+        </p:spPr>
+        <p:txBody>
+          <a:bodyPr wrap="square" rtlCol="0">
+            <a:spAutoFit/>
+          </a:bodyPr>
+          <a:p>
+            <a:r>
+              <a:rPr lang="en-US" altLang="zh-CN" sz="2000"/>
+              <a:t>Scores</a:t>
+            </a:r>
+            <a:r>
+              <a:rPr lang="zh-CN" altLang="en-US" sz="2000"/>
+              <a:t>：</a:t>
+            </a:r>
+            <a:endParaRPr lang="zh-CN" altLang="en-US" sz="2000"/>
+          </a:p>
+          <a:p>
+            <a:r>
+              <a:rPr lang="en-US" altLang="zh-CN" sz="2000"/>
+              <a:t>OLS</a:t>
+            </a:r>
+            <a:r>
+              <a:rPr lang="zh-CN" altLang="en-US" sz="2000"/>
+              <a:t>：</a:t>
+            </a:r>
+            <a:r>
+              <a:rPr lang="en-US" altLang="zh-CN" sz="2000"/>
+              <a:t>75.285</a:t>
+            </a:r>
+            <a:endParaRPr lang="en-US" altLang="zh-CN" sz="2000"/>
+          </a:p>
+          <a:p>
+            <a:r>
+              <a:rPr lang="en-US" altLang="zh-CN" sz="2000"/>
+              <a:t>Lasso</a:t>
+            </a:r>
+            <a:r>
+              <a:rPr lang="zh-CN" altLang="en-US" sz="2000"/>
+              <a:t>：</a:t>
+            </a:r>
+            <a:r>
+              <a:rPr lang="en-US" altLang="zh-CN" sz="2000"/>
+              <a:t>75.222</a:t>
+            </a:r>
+            <a:endParaRPr lang="zh-CN" altLang="en-US" sz="2000"/>
+          </a:p>
+          <a:p>
+            <a:r>
+              <a:rPr lang="en-US" altLang="zh-CN" sz="2000"/>
+              <a:t>Ridge</a:t>
+            </a:r>
+            <a:r>
+              <a:rPr lang="zh-CN" altLang="en-US" sz="2000"/>
+              <a:t>：</a:t>
+            </a:r>
+            <a:r>
+              <a:rPr lang="en-US" altLang="zh-CN" sz="2000"/>
+              <a:t>75.523 (best)</a:t>
+            </a:r>
+            <a:endParaRPr lang="zh-CN" altLang="en-US" sz="2000"/>
+          </a:p>
+          <a:p>
+            <a:r>
+              <a:rPr lang="en-US" altLang="zh-CN" sz="2000"/>
+              <a:t>Elasticnet</a:t>
+            </a:r>
+            <a:r>
+              <a:rPr lang="zh-CN" altLang="en-US" sz="2000"/>
+              <a:t>：</a:t>
+            </a:r>
+            <a:r>
+              <a:rPr lang="en-US" altLang="zh-CN" sz="2000"/>
+              <a:t>75.283</a:t>
+            </a:r>
+            <a:endParaRPr lang="en-US" altLang="zh-CN" sz="2000"/>
+          </a:p>
+        </p:txBody>
+      </p:sp>
+      <p:sp>
+        <p:nvSpPr>
+          <p:cNvPr id="16" name="文本框 15"/>
+          <p:cNvSpPr txBox="1"/>
+          <p:nvPr/>
+        </p:nvSpPr>
+        <p:spPr>
+          <a:xfrm>
+            <a:off x="115570" y="5169535"/>
+            <a:ext cx="7501890" cy="645160"/>
+          </a:xfrm>
+          <a:prstGeom prst="rect">
+            <a:avLst/>
+          </a:prstGeom>
+          <a:noFill/>
+        </p:spPr>
+        <p:txBody>
+          <a:bodyPr wrap="square" rtlCol="0">
+            <a:spAutoFit/>
+          </a:bodyPr>
+          <a:p>
+            <a:r>
+              <a:rPr lang="zh-CN" altLang="en-US"/>
+              <a:t>异常值记为偏离第一四分位数和第三四分位数太多的数据，即极端大和极端小的</a:t>
+            </a:r>
+            <a:r>
+              <a:rPr lang="zh-CN" altLang="en-US"/>
+              <a:t>数据</a:t>
+            </a:r>
+            <a:endParaRPr lang="zh-CN" altLang="en-US"/>
+          </a:p>
+        </p:txBody>
+      </p:sp>
       <p:pic>
         <p:nvPicPr>
-          <p:cNvPr id="4" name="内容占位符 3"/>
+          <p:cNvPr id="5" name="图片 4"/>
           <p:cNvPicPr>
             <a:picLocks noChangeAspect="1"/>
           </p:cNvPicPr>
-          <p:nvPr>
-            <p:ph idx="1"/>
-          </p:nvPr>
+          <p:nvPr/>
         </p:nvPicPr>
         <p:blipFill>
           <a:blip r:embed="rId1"/>
-          <a:srcRect t="29018" r="42023" b="52854"/>
           <a:stretch>
             <a:fillRect/>
           </a:stretch>
         </p:blipFill>
         <p:spPr>
           <a:xfrm>
-            <a:off x="93345" y="739140"/>
-            <a:ext cx="12005310" cy="2813050"/>
+            <a:off x="2894965" y="4036695"/>
+            <a:ext cx="2948940" cy="875665"/>
           </a:xfrm>
           <a:prstGeom prst="rect">
             <a:avLst/>
@@ -4578,23 +4947,22 @@
       </p:pic>
       <p:pic>
         <p:nvPicPr>
-          <p:cNvPr id="6" name="图片 5"/>
+          <p:cNvPr id="7" name="图片 6"/>
           <p:cNvPicPr>
             <a:picLocks noChangeAspect="1"/>
           </p:cNvPicPr>
           <p:nvPr/>
         </p:nvPicPr>
         <p:blipFill>
-          <a:blip r:embed="rId1"/>
-          <a:srcRect l="8" t="46959" r="81474" b="42938"/>
+          <a:blip r:embed="rId2"/>
           <a:stretch>
             <a:fillRect/>
           </a:stretch>
         </p:blipFill>
         <p:spPr>
           <a:xfrm>
-            <a:off x="93345" y="3552190"/>
-            <a:ext cx="3731260" cy="1049655"/>
+            <a:off x="0" y="4039235"/>
+            <a:ext cx="2894965" cy="873125"/>
           </a:xfrm>
           <a:prstGeom prst="rect">
             <a:avLst/>
@@ -4603,23 +4971,22 @@
       </p:pic>
       <p:pic>
         <p:nvPicPr>
-          <p:cNvPr id="10" name="图片 9"/>
+          <p:cNvPr id="8" name="图片 7"/>
           <p:cNvPicPr>
             <a:picLocks noChangeAspect="1"/>
           </p:cNvPicPr>
           <p:nvPr/>
         </p:nvPicPr>
         <p:blipFill>
-          <a:blip r:embed="rId1"/>
-          <a:srcRect t="57678" r="80684" b="31943"/>
+          <a:blip r:embed="rId3"/>
           <a:stretch>
             <a:fillRect/>
           </a:stretch>
         </p:blipFill>
         <p:spPr>
           <a:xfrm>
-            <a:off x="93345" y="4601845"/>
-            <a:ext cx="3738245" cy="1122045"/>
+            <a:off x="2894965" y="3191510"/>
+            <a:ext cx="2948940" cy="847725"/>
           </a:xfrm>
           <a:prstGeom prst="rect">
             <a:avLst/>
@@ -4628,23 +4995,22 @@
       </p:pic>
       <p:pic>
         <p:nvPicPr>
-          <p:cNvPr id="11" name="图片 10"/>
+          <p:cNvPr id="9" name="图片 8"/>
           <p:cNvPicPr>
             <a:picLocks noChangeAspect="1"/>
           </p:cNvPicPr>
           <p:nvPr/>
         </p:nvPicPr>
         <p:blipFill>
-          <a:blip r:embed="rId1"/>
-          <a:srcRect l="37" t="67994" r="81666" b="21951"/>
+          <a:blip r:embed="rId4"/>
           <a:stretch>
             <a:fillRect/>
           </a:stretch>
         </p:blipFill>
         <p:spPr>
           <a:xfrm>
-            <a:off x="3824605" y="3552190"/>
-            <a:ext cx="3707130" cy="1050290"/>
+            <a:off x="0" y="3191510"/>
+            <a:ext cx="2894965" cy="845185"/>
           </a:xfrm>
           <a:prstGeom prst="rect">
             <a:avLst/>
@@ -4653,155 +5019,28 @@
       </p:pic>
       <p:pic>
         <p:nvPicPr>
-          <p:cNvPr id="12" name="图片 11"/>
+          <p:cNvPr id="14" name="图片 13"/>
           <p:cNvPicPr>
             <a:picLocks noChangeAspect="1"/>
           </p:cNvPicPr>
           <p:nvPr/>
         </p:nvPicPr>
         <p:blipFill>
-          <a:blip r:embed="rId1"/>
-          <a:srcRect l="118" t="78215" r="81417" b="10924"/>
+          <a:blip r:embed="rId5"/>
           <a:stretch>
             <a:fillRect/>
           </a:stretch>
         </p:blipFill>
         <p:spPr>
           <a:xfrm>
-            <a:off x="3831590" y="4601845"/>
-            <a:ext cx="3700145" cy="1122045"/>
+            <a:off x="0" y="1137920"/>
+            <a:ext cx="12295505" cy="2053590"/>
           </a:xfrm>
           <a:prstGeom prst="rect">
             <a:avLst/>
           </a:prstGeom>
         </p:spPr>
       </p:pic>
-      <p:sp>
-        <p:nvSpPr>
-          <p:cNvPr id="13" name="文本框 12"/>
-          <p:cNvSpPr txBox="1"/>
-          <p:nvPr/>
-        </p:nvSpPr>
-        <p:spPr>
-          <a:xfrm>
-            <a:off x="7788275" y="3756025"/>
-            <a:ext cx="4051300" cy="1630045"/>
-          </a:xfrm>
-          <a:prstGeom prst="rect">
-            <a:avLst/>
-          </a:prstGeom>
-          <a:noFill/>
-        </p:spPr>
-        <p:txBody>
-          <a:bodyPr wrap="square" rtlCol="0">
-            <a:spAutoFit/>
-          </a:bodyPr>
-          <a:p>
-            <a:r>
-              <a:rPr lang="en-US" altLang="zh-CN" sz="2000"/>
-              <a:t>Scores</a:t>
-            </a:r>
-            <a:r>
-              <a:rPr lang="zh-CN" altLang="en-US" sz="2000"/>
-              <a:t>：</a:t>
-            </a:r>
-            <a:endParaRPr lang="zh-CN" altLang="en-US" sz="2000"/>
-          </a:p>
-          <a:p>
-            <a:r>
-              <a:rPr lang="en-US" altLang="zh-CN" sz="2000"/>
-              <a:t>OLS</a:t>
-            </a:r>
-            <a:r>
-              <a:rPr lang="zh-CN" altLang="en-US" sz="2000"/>
-              <a:t>：</a:t>
-            </a:r>
-            <a:r>
-              <a:rPr lang="en-US" altLang="zh-CN" sz="2000"/>
-              <a:t>74.649</a:t>
-            </a:r>
-            <a:endParaRPr lang="en-US" altLang="zh-CN" sz="2000"/>
-          </a:p>
-          <a:p>
-            <a:r>
-              <a:rPr lang="en-US" altLang="zh-CN" sz="2000"/>
-              <a:t>Lasso</a:t>
-            </a:r>
-            <a:r>
-              <a:rPr lang="zh-CN" altLang="en-US" sz="2000"/>
-              <a:t>：</a:t>
-            </a:r>
-            <a:r>
-              <a:rPr lang="en-US" altLang="zh-CN" sz="2000"/>
-              <a:t>74.623</a:t>
-            </a:r>
-            <a:endParaRPr lang="zh-CN" altLang="en-US" sz="2000"/>
-          </a:p>
-          <a:p>
-            <a:r>
-              <a:rPr lang="en-US" altLang="zh-CN" sz="2000"/>
-              <a:t>Ridge</a:t>
-            </a:r>
-            <a:r>
-              <a:rPr lang="zh-CN" altLang="en-US" sz="2000"/>
-              <a:t>：</a:t>
-            </a:r>
-            <a:r>
-              <a:rPr lang="en-US" altLang="zh-CN" sz="2000"/>
-              <a:t>74.747 (best)</a:t>
-            </a:r>
-            <a:endParaRPr lang="zh-CN" altLang="en-US" sz="2000"/>
-          </a:p>
-          <a:p>
-            <a:r>
-              <a:rPr lang="en-US" altLang="zh-CN" sz="2000"/>
-              <a:t>Elasticnet</a:t>
-            </a:r>
-            <a:r>
-              <a:rPr lang="zh-CN" altLang="en-US" sz="2000"/>
-              <a:t>：</a:t>
-            </a:r>
-            <a:r>
-              <a:rPr lang="en-US" altLang="zh-CN" sz="2000"/>
-              <a:t>74.736</a:t>
-            </a:r>
-            <a:endParaRPr lang="en-US" altLang="zh-CN" sz="2000"/>
-          </a:p>
-        </p:txBody>
-      </p:sp>
-      <p:sp>
-        <p:nvSpPr>
-          <p:cNvPr id="16" name="文本框 15"/>
-          <p:cNvSpPr txBox="1"/>
-          <p:nvPr/>
-        </p:nvSpPr>
-        <p:spPr>
-          <a:xfrm>
-            <a:off x="115570" y="5807075"/>
-            <a:ext cx="7501890" cy="645160"/>
-          </a:xfrm>
-          <a:prstGeom prst="rect">
-            <a:avLst/>
-          </a:prstGeom>
-          <a:noFill/>
-        </p:spPr>
-        <p:txBody>
-          <a:bodyPr wrap="square" rtlCol="0">
-            <a:spAutoFit/>
-          </a:bodyPr>
-          <a:p>
-            <a:r>
-              <a:rPr lang="zh-CN" altLang="en-US"/>
-              <a:t>异常值记为偏离第一四分位数和第三四分位数太多的数据，即极端大和极端小的</a:t>
-            </a:r>
-            <a:r>
-              <a:rPr lang="zh-CN" altLang="en-US"/>
-              <a:t>数据</a:t>
-            </a:r>
-            <a:endParaRPr lang="zh-CN" altLang="en-US"/>
-          </a:p>
-        </p:txBody>
-      </p:sp>
     </p:spTree>
   </p:cSld>
   <p:clrMapOvr>
@@ -4871,27 +5110,6 @@
           <a:p>
             <a:r>
               <a:rPr lang="zh-CN" altLang="en-US" sz="7200"/>
-              <a:t>户型结构化解析</a:t>
-            </a:r>
-            <a:endParaRPr lang="zh-CN" altLang="en-US" sz="7200"/>
-          </a:p>
-          <a:p>
-            <a:pPr marL="0" indent="0">
-              <a:buNone/>
-            </a:pPr>
-            <a:r>
-              <a:rPr lang="en-US" altLang="zh-CN" sz="7200"/>
-              <a:t>	</a:t>
-            </a:r>
-            <a:r>
-              <a:rPr lang="zh-CN" altLang="en-US" sz="7200"/>
-              <a:t>使用正则表达式从文本中提取卧室、客厅等房间数量，将非结构化文本转化为可量化特征。</a:t>
-            </a:r>
-            <a:endParaRPr lang="zh-CN" altLang="en-US" sz="7200"/>
-          </a:p>
-          <a:p>
-            <a:r>
-              <a:rPr lang="zh-CN" altLang="en-US" sz="7200"/>
               <a:t>得房率动态填充</a:t>
             </a:r>
             <a:endParaRPr lang="zh-CN" altLang="en-US" sz="7200"/>
@@ -4952,7 +5170,25 @@
               <a:rPr lang="zh-CN" altLang="en-US" sz="7200">
                 <a:sym typeface="+mn-ea"/>
               </a:rPr>
-              <a:t>将城市与环线组合编码（如北京_三环），避免不同城市环线标准差异导致的误导。</a:t>
+              <a:t>将城市与环线组合编码（如</a:t>
+            </a:r>
+            <a:r>
+              <a:rPr lang="en-US" altLang="zh-CN" sz="7200">
+                <a:sym typeface="+mn-ea"/>
+              </a:rPr>
+              <a:t>0</a:t>
+            </a:r>
+            <a:r>
+              <a:rPr lang="zh-CN" altLang="en-US" sz="7200">
+                <a:sym typeface="+mn-ea"/>
+              </a:rPr>
+              <a:t>_二</a:t>
+            </a:r>
+            <a:r>
+              <a:rPr lang="zh-CN" altLang="en-US" sz="7200">
+                <a:sym typeface="+mn-ea"/>
+              </a:rPr>
+              <a:t>至三环），避免不同城市环线标准差异导致的误导。</a:t>
             </a:r>
             <a:endParaRPr lang="zh-CN" altLang="en-US" sz="7200"/>
           </a:p>
